--- a/The Final Report.pptx
+++ b/The Final Report.pptx
@@ -9,8 +9,11 @@
     <p:sldId id="257" r:id="rId3"/>
     <p:sldId id="258" r:id="rId4"/>
     <p:sldId id="259" r:id="rId5"/>
-    <p:sldId id="260" r:id="rId6"/>
-    <p:sldId id="261" r:id="rId7"/>
+    <p:sldId id="262" r:id="rId6"/>
+    <p:sldId id="264" r:id="rId7"/>
+    <p:sldId id="263" r:id="rId8"/>
+    <p:sldId id="260" r:id="rId9"/>
+    <p:sldId id="261" r:id="rId10"/>
   </p:sldIdLst>
   <p:sldSz cx="12192000" cy="6858000"/>
   <p:notesSz cx="6858000" cy="9144000"/>
@@ -109,19 +112,162 @@
       </a:defRPr>
     </a:lvl9pPr>
   </p:defaultTextStyle>
+  <p:extLst>
+    <p:ext uri="{EFAFB233-063F-42B5-8137-9DF3F51BA10A}">
+      <p15:sldGuideLst xmlns:p15="http://schemas.microsoft.com/office/powerpoint/2012/main"/>
+    </p:ext>
+  </p:extLst>
 </p:presentation>
 </file>
 
 <file path=ppt/revisionInfo.xml><?xml version="1.0" encoding="utf-8"?>
 <p1510:revInfo xmlns:a="http://schemas.openxmlformats.org/drawingml/2006/main" xmlns:r="http://schemas.openxmlformats.org/officeDocument/2006/relationships" xmlns:p1510="http://schemas.microsoft.com/office/powerpoint/2015/10/main">
   <p1510:revLst>
-    <p1510:client id="{2697E4F9-AD20-4305-84D8-BC63EE530F0A}" v="4" dt="2019-02-09T04:12:18.620"/>
+    <p1510:client id="{C17EE801-53A1-490B-99F6-972FCBCCCFAB}" v="7" dt="2019-02-10T04:34:53.058"/>
   </p1510:revLst>
 </p1510:revInfo>
 </file>
 
 <file path=ppt/changesInfos/changesInfo1.xml><?xml version="1.0" encoding="utf-8"?>
 <pc:chgInfo xmlns:a="http://schemas.openxmlformats.org/drawingml/2006/main" xmlns:r="http://schemas.openxmlformats.org/officeDocument/2006/relationships" xmlns:ac="http://schemas.microsoft.com/office/drawing/2013/main/command" xmlns:pc="http://schemas.microsoft.com/office/powerpoint/2013/main/command">
+  <pc:docChgLst>
+    <pc:chgData name="Zhang, Xinde" userId="2d4d6f7f-6bac-4d7b-a7b0-5054d68fd6c2" providerId="ADAL" clId="{C17EE801-53A1-490B-99F6-972FCBCCCFAB}"/>
+    <pc:docChg chg="custSel addSld modSld">
+      <pc:chgData name="Zhang, Xinde" userId="2d4d6f7f-6bac-4d7b-a7b0-5054d68fd6c2" providerId="ADAL" clId="{C17EE801-53A1-490B-99F6-972FCBCCCFAB}" dt="2019-02-10T04:34:39.746" v="2006" actId="20577"/>
+      <pc:docMkLst>
+        <pc:docMk/>
+      </pc:docMkLst>
+      <pc:sldChg chg="modSp">
+        <pc:chgData name="Zhang, Xinde" userId="2d4d6f7f-6bac-4d7b-a7b0-5054d68fd6c2" providerId="ADAL" clId="{C17EE801-53A1-490B-99F6-972FCBCCCFAB}" dt="2019-02-10T04:06:26.576" v="699" actId="20577"/>
+        <pc:sldMkLst>
+          <pc:docMk/>
+          <pc:sldMk cId="2313404233" sldId="257"/>
+        </pc:sldMkLst>
+        <pc:spChg chg="mod">
+          <ac:chgData name="Zhang, Xinde" userId="2d4d6f7f-6bac-4d7b-a7b0-5054d68fd6c2" providerId="ADAL" clId="{C17EE801-53A1-490B-99F6-972FCBCCCFAB}" dt="2019-02-10T04:06:26.576" v="699" actId="20577"/>
+          <ac:spMkLst>
+            <pc:docMk/>
+            <pc:sldMk cId="2313404233" sldId="257"/>
+            <ac:spMk id="3" creationId="{155B8BC1-C2F9-4644-8AA8-ED301F5AFDBA}"/>
+          </ac:spMkLst>
+        </pc:spChg>
+      </pc:sldChg>
+      <pc:sldChg chg="modSp">
+        <pc:chgData name="Zhang, Xinde" userId="2d4d6f7f-6bac-4d7b-a7b0-5054d68fd6c2" providerId="ADAL" clId="{C17EE801-53A1-490B-99F6-972FCBCCCFAB}" dt="2019-02-09T04:21:01.651" v="22" actId="20577"/>
+        <pc:sldMkLst>
+          <pc:docMk/>
+          <pc:sldMk cId="1599391582" sldId="259"/>
+        </pc:sldMkLst>
+        <pc:spChg chg="mod">
+          <ac:chgData name="Zhang, Xinde" userId="2d4d6f7f-6bac-4d7b-a7b0-5054d68fd6c2" providerId="ADAL" clId="{C17EE801-53A1-490B-99F6-972FCBCCCFAB}" dt="2019-02-09T04:21:01.651" v="22" actId="20577"/>
+          <ac:spMkLst>
+            <pc:docMk/>
+            <pc:sldMk cId="1599391582" sldId="259"/>
+            <ac:spMk id="3" creationId="{A2E9DBDD-E537-4C26-B6FF-86AC392B2A1F}"/>
+          </ac:spMkLst>
+        </pc:spChg>
+      </pc:sldChg>
+      <pc:sldChg chg="modSp">
+        <pc:chgData name="Zhang, Xinde" userId="2d4d6f7f-6bac-4d7b-a7b0-5054d68fd6c2" providerId="ADAL" clId="{C17EE801-53A1-490B-99F6-972FCBCCCFAB}" dt="2019-02-10T04:34:39.746" v="2006" actId="20577"/>
+        <pc:sldMkLst>
+          <pc:docMk/>
+          <pc:sldMk cId="3058546129" sldId="260"/>
+        </pc:sldMkLst>
+        <pc:spChg chg="mod">
+          <ac:chgData name="Zhang, Xinde" userId="2d4d6f7f-6bac-4d7b-a7b0-5054d68fd6c2" providerId="ADAL" clId="{C17EE801-53A1-490B-99F6-972FCBCCCFAB}" dt="2019-02-10T04:34:39.746" v="2006" actId="20577"/>
+          <ac:spMkLst>
+            <pc:docMk/>
+            <pc:sldMk cId="3058546129" sldId="260"/>
+            <ac:spMk id="3" creationId="{27670F4A-BAC8-4615-B699-9682516DB296}"/>
+          </ac:spMkLst>
+        </pc:spChg>
+      </pc:sldChg>
+      <pc:sldChg chg="modSp">
+        <pc:chgData name="Zhang, Xinde" userId="2d4d6f7f-6bac-4d7b-a7b0-5054d68fd6c2" providerId="ADAL" clId="{C17EE801-53A1-490B-99F6-972FCBCCCFAB}" dt="2019-02-10T04:34:29.326" v="2005" actId="6549"/>
+        <pc:sldMkLst>
+          <pc:docMk/>
+          <pc:sldMk cId="334180992" sldId="261"/>
+        </pc:sldMkLst>
+        <pc:spChg chg="mod">
+          <ac:chgData name="Zhang, Xinde" userId="2d4d6f7f-6bac-4d7b-a7b0-5054d68fd6c2" providerId="ADAL" clId="{C17EE801-53A1-490B-99F6-972FCBCCCFAB}" dt="2019-02-10T04:34:29.326" v="2005" actId="6549"/>
+          <ac:spMkLst>
+            <pc:docMk/>
+            <pc:sldMk cId="334180992" sldId="261"/>
+            <ac:spMk id="3" creationId="{771C4F55-E035-465D-BACD-77778C504F32}"/>
+          </ac:spMkLst>
+        </pc:spChg>
+      </pc:sldChg>
+      <pc:sldChg chg="modSp add">
+        <pc:chgData name="Zhang, Xinde" userId="2d4d6f7f-6bac-4d7b-a7b0-5054d68fd6c2" providerId="ADAL" clId="{C17EE801-53A1-490B-99F6-972FCBCCCFAB}" dt="2019-02-09T04:22:55.970" v="209" actId="20577"/>
+        <pc:sldMkLst>
+          <pc:docMk/>
+          <pc:sldMk cId="386133991" sldId="262"/>
+        </pc:sldMkLst>
+        <pc:spChg chg="mod">
+          <ac:chgData name="Zhang, Xinde" userId="2d4d6f7f-6bac-4d7b-a7b0-5054d68fd6c2" providerId="ADAL" clId="{C17EE801-53A1-490B-99F6-972FCBCCCFAB}" dt="2019-02-09T04:21:14.093" v="27" actId="20577"/>
+          <ac:spMkLst>
+            <pc:docMk/>
+            <pc:sldMk cId="386133991" sldId="262"/>
+            <ac:spMk id="2" creationId="{0395991D-566B-4080-8A28-D3CA5DDACA05}"/>
+          </ac:spMkLst>
+        </pc:spChg>
+        <pc:spChg chg="mod">
+          <ac:chgData name="Zhang, Xinde" userId="2d4d6f7f-6bac-4d7b-a7b0-5054d68fd6c2" providerId="ADAL" clId="{C17EE801-53A1-490B-99F6-972FCBCCCFAB}" dt="2019-02-09T04:22:55.970" v="209" actId="20577"/>
+          <ac:spMkLst>
+            <pc:docMk/>
+            <pc:sldMk cId="386133991" sldId="262"/>
+            <ac:spMk id="3" creationId="{A7F89B09-894B-43E4-A4DA-E192030FC0DB}"/>
+          </ac:spMkLst>
+        </pc:spChg>
+      </pc:sldChg>
+      <pc:sldChg chg="modSp add">
+        <pc:chgData name="Zhang, Xinde" userId="2d4d6f7f-6bac-4d7b-a7b0-5054d68fd6c2" providerId="ADAL" clId="{C17EE801-53A1-490B-99F6-972FCBCCCFAB}" dt="2019-02-10T04:19:41.966" v="1905" actId="20577"/>
+        <pc:sldMkLst>
+          <pc:docMk/>
+          <pc:sldMk cId="3138488650" sldId="263"/>
+        </pc:sldMkLst>
+        <pc:spChg chg="mod">
+          <ac:chgData name="Zhang, Xinde" userId="2d4d6f7f-6bac-4d7b-a7b0-5054d68fd6c2" providerId="ADAL" clId="{C17EE801-53A1-490B-99F6-972FCBCCCFAB}" dt="2019-02-10T04:19:32.985" v="1904" actId="313"/>
+          <ac:spMkLst>
+            <pc:docMk/>
+            <pc:sldMk cId="3138488650" sldId="263"/>
+            <ac:spMk id="2" creationId="{ED28260E-C597-4265-9073-2860CAF20D3D}"/>
+          </ac:spMkLst>
+        </pc:spChg>
+        <pc:spChg chg="mod">
+          <ac:chgData name="Zhang, Xinde" userId="2d4d6f7f-6bac-4d7b-a7b0-5054d68fd6c2" providerId="ADAL" clId="{C17EE801-53A1-490B-99F6-972FCBCCCFAB}" dt="2019-02-10T04:19:41.966" v="1905" actId="20577"/>
+          <ac:spMkLst>
+            <pc:docMk/>
+            <pc:sldMk cId="3138488650" sldId="263"/>
+            <ac:spMk id="3" creationId="{C08051FB-DE0B-4D4E-9AC6-3374D76D7A7F}"/>
+          </ac:spMkLst>
+        </pc:spChg>
+      </pc:sldChg>
+      <pc:sldChg chg="modSp add">
+        <pc:chgData name="Zhang, Xinde" userId="2d4d6f7f-6bac-4d7b-a7b0-5054d68fd6c2" providerId="ADAL" clId="{C17EE801-53A1-490B-99F6-972FCBCCCFAB}" dt="2019-02-10T04:33:35.002" v="1980" actId="113"/>
+        <pc:sldMkLst>
+          <pc:docMk/>
+          <pc:sldMk cId="4087786235" sldId="264"/>
+        </pc:sldMkLst>
+        <pc:spChg chg="mod">
+          <ac:chgData name="Zhang, Xinde" userId="2d4d6f7f-6bac-4d7b-a7b0-5054d68fd6c2" providerId="ADAL" clId="{C17EE801-53A1-490B-99F6-972FCBCCCFAB}" dt="2019-02-10T04:33:35.002" v="1980" actId="113"/>
+          <ac:spMkLst>
+            <pc:docMk/>
+            <pc:sldMk cId="4087786235" sldId="264"/>
+            <ac:spMk id="2" creationId="{C2B3E532-3EB3-409B-A0A5-0432194FC0A5}"/>
+          </ac:spMkLst>
+        </pc:spChg>
+        <pc:spChg chg="mod">
+          <ac:chgData name="Zhang, Xinde" userId="2d4d6f7f-6bac-4d7b-a7b0-5054d68fd6c2" providerId="ADAL" clId="{C17EE801-53A1-490B-99F6-972FCBCCCFAB}" dt="2019-02-10T04:18:26.781" v="1869" actId="114"/>
+          <ac:spMkLst>
+            <pc:docMk/>
+            <pc:sldMk cId="4087786235" sldId="264"/>
+            <ac:spMk id="3" creationId="{92B26EE0-733C-4387-9168-F831DC292934}"/>
+          </ac:spMkLst>
+        </pc:spChg>
+      </pc:sldChg>
+    </pc:docChg>
+  </pc:docChgLst>
   <pc:docChgLst>
     <pc:chgData name="Zhang, Xinde" userId="2d4d6f7f-6bac-4d7b-a7b0-5054d68fd6c2" providerId="ADAL" clId="{2697E4F9-AD20-4305-84D8-BC63EE530F0A}"/>
     <pc:docChg chg="custSel addSld modSld">
@@ -326,7 +472,7 @@
           <a:p>
             <a:fld id="{48A87A34-81AB-432B-8DAE-1953F412C126}" type="datetimeFigureOut">
               <a:rPr lang="en-US" dirty="0"/>
-              <a:t>2/8/2019</a:t>
+              <a:t>2/9/2019</a:t>
             </a:fld>
             <a:endParaRPr lang="en-US" dirty="0"/>
           </a:p>
@@ -532,7 +678,7 @@
           <a:p>
             <a:fld id="{48A87A34-81AB-432B-8DAE-1953F412C126}" type="datetimeFigureOut">
               <a:rPr lang="en-US" dirty="0"/>
-              <a:t>2/8/2019</a:t>
+              <a:t>2/9/2019</a:t>
             </a:fld>
             <a:endParaRPr lang="en-US" dirty="0"/>
           </a:p>
@@ -742,7 +888,7 @@
           <a:p>
             <a:fld id="{48A87A34-81AB-432B-8DAE-1953F412C126}" type="datetimeFigureOut">
               <a:rPr lang="en-US" dirty="0"/>
-              <a:t>2/8/2019</a:t>
+              <a:t>2/9/2019</a:t>
             </a:fld>
             <a:endParaRPr lang="en-US" dirty="0"/>
           </a:p>
@@ -938,7 +1084,7 @@
           <a:p>
             <a:fld id="{48A87A34-81AB-432B-8DAE-1953F412C126}" type="datetimeFigureOut">
               <a:rPr lang="en-US" dirty="0"/>
-              <a:t>2/8/2019</a:t>
+              <a:t>2/9/2019</a:t>
             </a:fld>
             <a:endParaRPr lang="en-US" dirty="0"/>
           </a:p>
@@ -1212,7 +1358,7 @@
           <a:p>
             <a:fld id="{48A87A34-81AB-432B-8DAE-1953F412C126}" type="datetimeFigureOut">
               <a:rPr lang="en-US" dirty="0"/>
-              <a:t>2/8/2019</a:t>
+              <a:t>2/9/2019</a:t>
             </a:fld>
             <a:endParaRPr lang="en-US" dirty="0"/>
           </a:p>
@@ -1475,7 +1621,7 @@
           <a:p>
             <a:fld id="{48A87A34-81AB-432B-8DAE-1953F412C126}" type="datetimeFigureOut">
               <a:rPr lang="en-US" dirty="0"/>
-              <a:t>2/8/2019</a:t>
+              <a:t>2/9/2019</a:t>
             </a:fld>
             <a:endParaRPr lang="en-US" dirty="0"/>
           </a:p>
@@ -1886,7 +2032,7 @@
           <a:p>
             <a:fld id="{48A87A34-81AB-432B-8DAE-1953F412C126}" type="datetimeFigureOut">
               <a:rPr lang="en-US" dirty="0"/>
-              <a:t>2/8/2019</a:t>
+              <a:t>2/9/2019</a:t>
             </a:fld>
             <a:endParaRPr lang="en-US" dirty="0"/>
           </a:p>
@@ -2030,7 +2176,7 @@
           <a:p>
             <a:fld id="{48A87A34-81AB-432B-8DAE-1953F412C126}" type="datetimeFigureOut">
               <a:rPr lang="en-US" dirty="0"/>
-              <a:t>2/8/2019</a:t>
+              <a:t>2/9/2019</a:t>
             </a:fld>
             <a:endParaRPr lang="en-US" dirty="0"/>
           </a:p>
@@ -2151,7 +2297,7 @@
           <a:p>
             <a:fld id="{48A87A34-81AB-432B-8DAE-1953F412C126}" type="datetimeFigureOut">
               <a:rPr lang="en-US" dirty="0"/>
-              <a:t>2/8/2019</a:t>
+              <a:t>2/9/2019</a:t>
             </a:fld>
             <a:endParaRPr lang="en-US" dirty="0"/>
           </a:p>
@@ -2397,7 +2543,7 @@
           <a:p>
             <a:fld id="{48A87A34-81AB-432B-8DAE-1953F412C126}" type="datetimeFigureOut">
               <a:rPr lang="en-US" dirty="0"/>
-              <a:t>2/8/2019</a:t>
+              <a:t>2/9/2019</a:t>
             </a:fld>
             <a:endParaRPr lang="en-US" dirty="0"/>
           </a:p>
@@ -2838,7 +2984,7 @@
             <a:fld id="{48A87A34-81AB-432B-8DAE-1953F412C126}" type="datetimeFigureOut">
               <a:rPr lang="en-US" dirty="0"/>
               <a:pPr/>
-              <a:t>2/8/2019</a:t>
+              <a:t>2/9/2019</a:t>
             </a:fld>
             <a:endParaRPr lang="en-US" dirty="0"/>
           </a:p>
@@ -3160,7 +3306,7 @@
             <a:fld id="{48A87A34-81AB-432B-8DAE-1953F412C126}" type="datetimeFigureOut">
               <a:rPr lang="en-US" dirty="0"/>
               <a:pPr/>
-              <a:t>2/8/2019</a:t>
+              <a:t>2/9/2019</a:t>
             </a:fld>
             <a:endParaRPr lang="en-US" dirty="0"/>
           </a:p>
@@ -3798,7 +3944,14 @@
             <a:pPr lvl="1"/>
             <a:r>
               <a:rPr lang="en-US" dirty="0"/>
-              <a:t>In net, 66 people moved to the city during the year.</a:t>
+              <a:t>In net, 66 people moved to the city during the year—or More than 24,200 People moved to SA by the year.</a:t>
+            </a:r>
+          </a:p>
+          <a:p>
+            <a:pPr lvl="2"/>
+            <a:r>
+              <a:rPr lang="en-US" dirty="0"/>
+              <a:t>Note, in the same year: Dallas, Texas (18,900 people moved in); Fort Worth, Texas (18,700 people moved in)</a:t>
             </a:r>
           </a:p>
           <a:p>
@@ -4023,37 +4176,29 @@
             <a:pPr lvl="2"/>
             <a:r>
               <a:rPr lang="en-US" dirty="0"/>
-              <a:t>Similar </a:t>
+              <a:t>Similar population mix</a:t>
+            </a:r>
+          </a:p>
+          <a:p>
+            <a:pPr lvl="2"/>
+            <a:r>
+              <a:rPr lang="en-US" dirty="0"/>
+              <a:t>Similar climate</a:t>
+            </a:r>
+          </a:p>
+          <a:p>
+            <a:pPr lvl="1"/>
+            <a:r>
+              <a:rPr lang="en-US" dirty="0"/>
+              <a:t>Use DS tool to cluster the </a:t>
             </a:r>
             <a:r>
               <a:rPr lang="en-US" dirty="0" err="1"/>
-              <a:t>populatin</a:t>
-            </a:r>
-            <a:r>
-              <a:rPr lang="en-US" dirty="0"/>
-              <a:t> mix</a:t>
-            </a:r>
-          </a:p>
-          <a:p>
-            <a:pPr lvl="2"/>
-            <a:r>
-              <a:rPr lang="en-US" dirty="0"/>
-              <a:t>Similar climate</a:t>
-            </a:r>
-          </a:p>
-          <a:p>
-            <a:pPr lvl="1"/>
-            <a:r>
-              <a:rPr lang="en-US" dirty="0"/>
-              <a:t>Use DS tool, </a:t>
-            </a:r>
-            <a:r>
-              <a:rPr lang="en-US" dirty="0" err="1"/>
-              <a:t>clusting</a:t>
-            </a:r>
-            <a:r>
-              <a:rPr lang="en-US" dirty="0"/>
-              <a:t> to cluster the neighborhoods of both SA and PHX (by </a:t>
+              <a:t>samilar</a:t>
+            </a:r>
+            <a:r>
+              <a:rPr lang="en-US" dirty="0"/>
+              <a:t> neighborhoods of both SA and PHX (by </a:t>
             </a:r>
             <a:r>
               <a:rPr lang="en-US" dirty="0" err="1"/>
@@ -4115,10 +4260,10 @@
       </p:grpSpPr>
       <p:sp>
         <p:nvSpPr>
-          <p:cNvPr id="2" name="标题 1">
+          <p:cNvPr id="2" name="Title 1">
             <a:extLst>
               <a:ext uri="{FF2B5EF4-FFF2-40B4-BE49-F238E27FC236}">
-                <a16:creationId xmlns:a16="http://schemas.microsoft.com/office/drawing/2014/main" id="{1C4D818B-A92A-4136-B3A0-3F06C22D4363}"/>
+                <a16:creationId xmlns:a16="http://schemas.microsoft.com/office/drawing/2014/main" id="{0395991D-566B-4080-8A28-D3CA5DDACA05}"/>
               </a:ext>
             </a:extLst>
           </p:cNvPr>
@@ -4136,17 +4281,17 @@
           <a:p>
             <a:r>
               <a:rPr lang="en-US" dirty="0"/>
-              <a:t>The analytic result</a:t>
-            </a:r>
-          </a:p>
-        </p:txBody>
-      </p:sp>
-      <p:sp>
-        <p:nvSpPr>
-          <p:cNvPr id="3" name="内容占位符 2">
+              <a:t>Data</a:t>
+            </a:r>
+          </a:p>
+        </p:txBody>
+      </p:sp>
+      <p:sp>
+        <p:nvSpPr>
+          <p:cNvPr id="3" name="Content Placeholder 2">
             <a:extLst>
               <a:ext uri="{FF2B5EF4-FFF2-40B4-BE49-F238E27FC236}">
-                <a16:creationId xmlns:a16="http://schemas.microsoft.com/office/drawing/2014/main" id="{27670F4A-BAC8-4615-B699-9682516DB296}"/>
+                <a16:creationId xmlns:a16="http://schemas.microsoft.com/office/drawing/2014/main" id="{A7F89B09-894B-43E4-A4DA-E192030FC0DB}"/>
               </a:ext>
             </a:extLst>
           </p:cNvPr>
@@ -4164,74 +4309,48 @@
           <a:p>
             <a:r>
               <a:rPr lang="en-US" dirty="0"/>
-              <a:t>The output data can be found in the Excel file:</a:t>
+              <a:t>Zip codes and population for both </a:t>
             </a:r>
           </a:p>
           <a:p>
             <a:pPr lvl="1"/>
             <a:r>
-              <a:rPr lang="en-US" dirty="0">
-                <a:hlinkClick r:id="rId2"/>
-              </a:rPr>
-              <a:t>Link</a:t>
-            </a:r>
-            <a:endParaRPr lang="en-US" dirty="0"/>
-          </a:p>
-          <a:p>
-            <a:r>
-              <a:rPr lang="en-US" dirty="0"/>
-              <a:t>USE Cluster 1 as example.</a:t>
+              <a:rPr lang="en-US" dirty="0"/>
+              <a:t>San Antonio, TX and</a:t>
             </a:r>
           </a:p>
           <a:p>
             <a:pPr lvl="1"/>
             <a:r>
               <a:rPr lang="en-US" dirty="0"/>
-              <a:t>What is popular in PHX but not SA in Cluster 1?</a:t>
-            </a:r>
-          </a:p>
-          <a:p>
-            <a:pPr lvl="2"/>
-            <a:r>
-              <a:rPr lang="en-US" dirty="0"/>
-              <a:t>Café and </a:t>
-            </a:r>
+              <a:t>Phoenix, AZ</a:t>
+            </a:r>
+          </a:p>
+          <a:p>
+            <a:r>
+              <a:rPr lang="en-US" dirty="0"/>
+              <a:t>Coordinates for the zip codes</a:t>
+            </a:r>
+          </a:p>
+          <a:p>
             <a:r>
               <a:rPr lang="en-US" dirty="0" err="1"/>
-              <a:t>Caffees</a:t>
-            </a:r>
-            <a:r>
-              <a:rPr lang="en-US" dirty="0"/>
-              <a:t> hop!!! </a:t>
-            </a:r>
-          </a:p>
-          <a:p>
-            <a:pPr lvl="3"/>
-            <a:r>
-              <a:rPr lang="en-US" dirty="0"/>
-              <a:t>Appeared 6 times (out of 20 neighborhood) in PHX cluster I group for top 3 categories </a:t>
-            </a:r>
-          </a:p>
-          <a:p>
-            <a:pPr lvl="3"/>
-            <a:r>
-              <a:rPr lang="en-US" dirty="0"/>
-              <a:t>VS only 1 time (out of 15 Neighborhood) in SA.</a:t>
-            </a:r>
-          </a:p>
-          <a:p>
-            <a:pPr lvl="4"/>
-            <a:r>
-              <a:rPr lang="en-US" dirty="0"/>
-              <a:t>Even for some very populated neighborhood: such as 78207, 78209, 78227, 78223, 78230.</a:t>
-            </a:r>
+              <a:t>Foursquares</a:t>
+            </a:r>
+            <a:r>
+              <a:rPr lang="en-US" dirty="0"/>
+              <a:t> Venue data for the cities/zip codes</a:t>
+            </a:r>
+          </a:p>
+          <a:p>
+            <a:endParaRPr lang="en-US" dirty="0"/>
           </a:p>
         </p:txBody>
       </p:sp>
     </p:spTree>
     <p:extLst>
       <p:ext uri="{BB962C8B-B14F-4D97-AF65-F5344CB8AC3E}">
-        <p14:creationId xmlns:p14="http://schemas.microsoft.com/office/powerpoint/2010/main" val="3058546129"/>
+        <p14:creationId xmlns:p14="http://schemas.microsoft.com/office/powerpoint/2010/main" val="386133991"/>
       </p:ext>
     </p:extLst>
   </p:cSld>
@@ -4260,6 +4379,466 @@
       </p:grpSpPr>
       <p:sp>
         <p:nvSpPr>
+          <p:cNvPr id="2" name="Title 1">
+            <a:extLst>
+              <a:ext uri="{FF2B5EF4-FFF2-40B4-BE49-F238E27FC236}">
+                <a16:creationId xmlns:a16="http://schemas.microsoft.com/office/drawing/2014/main" id="{C2B3E532-3EB3-409B-A0A5-0432194FC0A5}"/>
+              </a:ext>
+            </a:extLst>
+          </p:cNvPr>
+          <p:cNvSpPr>
+            <a:spLocks noGrp="1"/>
+          </p:cNvSpPr>
+          <p:nvPr>
+            <p:ph type="title"/>
+          </p:nvPr>
+        </p:nvSpPr>
+        <p:spPr/>
+        <p:txBody>
+          <a:bodyPr>
+            <a:normAutofit fontScale="90000"/>
+          </a:bodyPr>
+          <a:lstStyle/>
+          <a:p>
+            <a:r>
+              <a:rPr lang="en-US" b="1" dirty="0"/>
+              <a:t>How to </a:t>
+            </a:r>
+            <a:r>
+              <a:rPr lang="en-US" dirty="0"/>
+              <a:t>determine which type business Is the best to open in San Antonio—</a:t>
+            </a:r>
+            <a:r>
+              <a:rPr lang="en-US" b="1" dirty="0"/>
+              <a:t>In Plain English</a:t>
+            </a:r>
+          </a:p>
+        </p:txBody>
+      </p:sp>
+      <p:sp>
+        <p:nvSpPr>
+          <p:cNvPr id="3" name="Content Placeholder 2">
+            <a:extLst>
+              <a:ext uri="{FF2B5EF4-FFF2-40B4-BE49-F238E27FC236}">
+                <a16:creationId xmlns:a16="http://schemas.microsoft.com/office/drawing/2014/main" id="{92B26EE0-733C-4387-9168-F831DC292934}"/>
+              </a:ext>
+            </a:extLst>
+          </p:cNvPr>
+          <p:cNvSpPr>
+            <a:spLocks noGrp="1"/>
+          </p:cNvSpPr>
+          <p:nvPr>
+            <p:ph idx="1"/>
+          </p:nvPr>
+        </p:nvSpPr>
+        <p:spPr/>
+        <p:txBody>
+          <a:bodyPr>
+            <a:normAutofit fontScale="70000" lnSpcReduction="20000"/>
+          </a:bodyPr>
+          <a:lstStyle/>
+          <a:p>
+            <a:r>
+              <a:rPr lang="en-US" dirty="0"/>
+              <a:t>Step 1: Find </a:t>
+            </a:r>
+            <a:r>
+              <a:rPr lang="en-US" b="1" dirty="0"/>
+              <a:t>a similar but more matured city of SA.</a:t>
+            </a:r>
+          </a:p>
+          <a:p>
+            <a:pPr lvl="1"/>
+            <a:r>
+              <a:rPr lang="en-US" b="1" dirty="0"/>
+              <a:t>Phoenix, AZ</a:t>
+            </a:r>
+            <a:r>
+              <a:rPr lang="en-US" dirty="0"/>
+              <a:t> is picked since PHX and SA are similar in term of population mix and climate.</a:t>
+            </a:r>
+          </a:p>
+          <a:p>
+            <a:r>
+              <a:rPr lang="en-US" dirty="0"/>
+              <a:t>Step II: Group the neighborhood (Zip code) of both cities (SA and PHX) based on their characteristics i.e. the popular venues.   </a:t>
+            </a:r>
+          </a:p>
+          <a:p>
+            <a:pPr lvl="1"/>
+            <a:r>
+              <a:rPr lang="en-US" dirty="0"/>
+              <a:t>The grouping should reveal similar preference of the neighborhoods.</a:t>
+            </a:r>
+          </a:p>
+          <a:p>
+            <a:pPr lvl="1"/>
+            <a:r>
+              <a:rPr lang="en-US" dirty="0"/>
+              <a:t>10 groups are categorized. Within each group, there are both SA and PHX neighborhoods.</a:t>
+            </a:r>
+          </a:p>
+          <a:p>
+            <a:r>
+              <a:rPr lang="en-US" dirty="0"/>
+              <a:t>Step III: Within each group, find what is popular (in top 3 venues) of PHX neighborhood but not for SA. </a:t>
+            </a:r>
+          </a:p>
+          <a:p>
+            <a:pPr lvl="1"/>
+            <a:r>
+              <a:rPr lang="en-US" dirty="0"/>
+              <a:t>For example, in group “X”, </a:t>
+            </a:r>
+            <a:r>
+              <a:rPr lang="en-US" b="1" i="1" dirty="0"/>
+              <a:t>Pizza place </a:t>
+            </a:r>
+            <a:r>
+              <a:rPr lang="en-US" dirty="0"/>
+              <a:t>can be popular for neighborhood of PHX, but not the neighborhood  for SA in the same group.</a:t>
+            </a:r>
+          </a:p>
+          <a:p>
+            <a:r>
+              <a:rPr lang="en-US" dirty="0"/>
+              <a:t>Step IV: Make suggestion to the entrepreneurs on the Popular business in PHX. </a:t>
+            </a:r>
+          </a:p>
+          <a:p>
+            <a:pPr lvl="1"/>
+            <a:r>
+              <a:rPr lang="en-US" dirty="0"/>
+              <a:t>For the case in the example, we should suggest an entrepreneur to open </a:t>
+            </a:r>
+            <a:r>
+              <a:rPr lang="en-US" b="1" i="1" dirty="0"/>
+              <a:t>a pizza place </a:t>
+            </a:r>
+            <a:r>
+              <a:rPr lang="en-US" dirty="0"/>
+              <a:t>in the group “X’ neighborhood of SA </a:t>
+            </a:r>
+          </a:p>
+        </p:txBody>
+      </p:sp>
+    </p:spTree>
+    <p:extLst>
+      <p:ext uri="{BB962C8B-B14F-4D97-AF65-F5344CB8AC3E}">
+        <p14:creationId xmlns:p14="http://schemas.microsoft.com/office/powerpoint/2010/main" val="4087786235"/>
+      </p:ext>
+    </p:extLst>
+  </p:cSld>
+  <p:clrMapOvr>
+    <a:masterClrMapping/>
+  </p:clrMapOvr>
+</p:sld>
+</file>
+
+<file path=ppt/slides/slide7.xml><?xml version="1.0" encoding="utf-8"?>
+<p:sld xmlns:a="http://schemas.openxmlformats.org/drawingml/2006/main" xmlns:r="http://schemas.openxmlformats.org/officeDocument/2006/relationships" xmlns:p="http://schemas.openxmlformats.org/presentationml/2006/main">
+  <p:cSld>
+    <p:spTree>
+      <p:nvGrpSpPr>
+        <p:cNvPr id="1" name=""/>
+        <p:cNvGrpSpPr/>
+        <p:nvPr/>
+      </p:nvGrpSpPr>
+      <p:grpSpPr>
+        <a:xfrm>
+          <a:off x="0" y="0"/>
+          <a:ext cx="0" cy="0"/>
+          <a:chOff x="0" y="0"/>
+          <a:chExt cx="0" cy="0"/>
+        </a:xfrm>
+      </p:grpSpPr>
+      <p:sp>
+        <p:nvSpPr>
+          <p:cNvPr id="2" name="Title 1">
+            <a:extLst>
+              <a:ext uri="{FF2B5EF4-FFF2-40B4-BE49-F238E27FC236}">
+                <a16:creationId xmlns:a16="http://schemas.microsoft.com/office/drawing/2014/main" id="{ED28260E-C597-4265-9073-2860CAF20D3D}"/>
+              </a:ext>
+            </a:extLst>
+          </p:cNvPr>
+          <p:cNvSpPr>
+            <a:spLocks noGrp="1"/>
+          </p:cNvSpPr>
+          <p:nvPr>
+            <p:ph type="title"/>
+          </p:nvPr>
+        </p:nvSpPr>
+        <p:spPr/>
+        <p:txBody>
+          <a:bodyPr/>
+          <a:lstStyle/>
+          <a:p>
+            <a:r>
+              <a:rPr lang="en-US" dirty="0"/>
+              <a:t>Data science tech implementation</a:t>
+            </a:r>
+          </a:p>
+        </p:txBody>
+      </p:sp>
+      <p:sp>
+        <p:nvSpPr>
+          <p:cNvPr id="3" name="Content Placeholder 2">
+            <a:extLst>
+              <a:ext uri="{FF2B5EF4-FFF2-40B4-BE49-F238E27FC236}">
+                <a16:creationId xmlns:a16="http://schemas.microsoft.com/office/drawing/2014/main" id="{C08051FB-DE0B-4D4E-9AC6-3374D76D7A7F}"/>
+              </a:ext>
+            </a:extLst>
+          </p:cNvPr>
+          <p:cNvSpPr>
+            <a:spLocks noGrp="1"/>
+          </p:cNvSpPr>
+          <p:nvPr>
+            <p:ph idx="1"/>
+          </p:nvPr>
+        </p:nvSpPr>
+        <p:spPr/>
+        <p:txBody>
+          <a:bodyPr/>
+          <a:lstStyle/>
+          <a:p>
+            <a:r>
+              <a:rPr lang="en-US" dirty="0"/>
+              <a:t>K-mean clustering</a:t>
+            </a:r>
+          </a:p>
+          <a:p>
+            <a:pPr lvl="1"/>
+            <a:r>
+              <a:rPr lang="en-US" dirty="0"/>
+              <a:t>Cluster </a:t>
+            </a:r>
+            <a:r>
+              <a:rPr lang="en-US"/>
+              <a:t>similar neighborhoods </a:t>
+            </a:r>
+            <a:r>
+              <a:rPr lang="en-US" dirty="0"/>
+              <a:t>into same group</a:t>
+            </a:r>
+          </a:p>
+          <a:p>
+            <a:pPr lvl="1"/>
+            <a:r>
+              <a:rPr lang="en-US" dirty="0"/>
+              <a:t>Draw inference from the clustering results</a:t>
+            </a:r>
+          </a:p>
+          <a:p>
+            <a:pPr lvl="2"/>
+            <a:r>
+              <a:rPr lang="en-US" dirty="0"/>
+              <a:t>In each cluster: </a:t>
+            </a:r>
+          </a:p>
+          <a:p>
+            <a:pPr lvl="3"/>
+            <a:r>
+              <a:rPr lang="en-US" dirty="0"/>
+              <a:t>What business is popular in PHX but not in SA?</a:t>
+            </a:r>
+          </a:p>
+          <a:p>
+            <a:pPr lvl="3"/>
+            <a:r>
+              <a:rPr lang="en-US" dirty="0"/>
+              <a:t>Does it make sense to start such business in SA neighborhood of the cluster?</a:t>
+            </a:r>
+          </a:p>
+          <a:p>
+            <a:pPr lvl="1"/>
+            <a:endParaRPr lang="en-US" dirty="0"/>
+          </a:p>
+        </p:txBody>
+      </p:sp>
+    </p:spTree>
+    <p:extLst>
+      <p:ext uri="{BB962C8B-B14F-4D97-AF65-F5344CB8AC3E}">
+        <p14:creationId xmlns:p14="http://schemas.microsoft.com/office/powerpoint/2010/main" val="3138488650"/>
+      </p:ext>
+    </p:extLst>
+  </p:cSld>
+  <p:clrMapOvr>
+    <a:masterClrMapping/>
+  </p:clrMapOvr>
+</p:sld>
+</file>
+
+<file path=ppt/slides/slide8.xml><?xml version="1.0" encoding="utf-8"?>
+<p:sld xmlns:a="http://schemas.openxmlformats.org/drawingml/2006/main" xmlns:r="http://schemas.openxmlformats.org/officeDocument/2006/relationships" xmlns:p="http://schemas.openxmlformats.org/presentationml/2006/main">
+  <p:cSld>
+    <p:spTree>
+      <p:nvGrpSpPr>
+        <p:cNvPr id="1" name=""/>
+        <p:cNvGrpSpPr/>
+        <p:nvPr/>
+      </p:nvGrpSpPr>
+      <p:grpSpPr>
+        <a:xfrm>
+          <a:off x="0" y="0"/>
+          <a:ext cx="0" cy="0"/>
+          <a:chOff x="0" y="0"/>
+          <a:chExt cx="0" cy="0"/>
+        </a:xfrm>
+      </p:grpSpPr>
+      <p:sp>
+        <p:nvSpPr>
+          <p:cNvPr id="2" name="标题 1">
+            <a:extLst>
+              <a:ext uri="{FF2B5EF4-FFF2-40B4-BE49-F238E27FC236}">
+                <a16:creationId xmlns:a16="http://schemas.microsoft.com/office/drawing/2014/main" id="{1C4D818B-A92A-4136-B3A0-3F06C22D4363}"/>
+              </a:ext>
+            </a:extLst>
+          </p:cNvPr>
+          <p:cNvSpPr>
+            <a:spLocks noGrp="1"/>
+          </p:cNvSpPr>
+          <p:nvPr>
+            <p:ph type="title"/>
+          </p:nvPr>
+        </p:nvSpPr>
+        <p:spPr/>
+        <p:txBody>
+          <a:bodyPr/>
+          <a:lstStyle/>
+          <a:p>
+            <a:r>
+              <a:rPr lang="en-US" dirty="0"/>
+              <a:t>The analytic result</a:t>
+            </a:r>
+          </a:p>
+        </p:txBody>
+      </p:sp>
+      <p:sp>
+        <p:nvSpPr>
+          <p:cNvPr id="3" name="内容占位符 2">
+            <a:extLst>
+              <a:ext uri="{FF2B5EF4-FFF2-40B4-BE49-F238E27FC236}">
+                <a16:creationId xmlns:a16="http://schemas.microsoft.com/office/drawing/2014/main" id="{27670F4A-BAC8-4615-B699-9682516DB296}"/>
+              </a:ext>
+            </a:extLst>
+          </p:cNvPr>
+          <p:cNvSpPr>
+            <a:spLocks noGrp="1"/>
+          </p:cNvSpPr>
+          <p:nvPr>
+            <p:ph idx="1"/>
+          </p:nvPr>
+        </p:nvSpPr>
+        <p:spPr/>
+        <p:txBody>
+          <a:bodyPr/>
+          <a:lstStyle/>
+          <a:p>
+            <a:r>
+              <a:rPr lang="en-US" dirty="0"/>
+              <a:t>The output data can be found in the Excel file:</a:t>
+            </a:r>
+          </a:p>
+          <a:p>
+            <a:pPr lvl="1"/>
+            <a:r>
+              <a:rPr lang="en-US" dirty="0">
+                <a:hlinkClick r:id="rId2"/>
+              </a:rPr>
+              <a:t>Link</a:t>
+            </a:r>
+            <a:r>
+              <a:rPr lang="en-US" dirty="0"/>
+              <a:t>: Excel file is attached.</a:t>
+            </a:r>
+          </a:p>
+          <a:p>
+            <a:r>
+              <a:rPr lang="en-US" dirty="0"/>
+              <a:t>USE Cluster 3 as example.</a:t>
+            </a:r>
+          </a:p>
+          <a:p>
+            <a:pPr lvl="1"/>
+            <a:r>
+              <a:rPr lang="en-US" dirty="0"/>
+              <a:t>What is popular in PHX but not SA in Cluster 1?</a:t>
+            </a:r>
+          </a:p>
+          <a:p>
+            <a:pPr lvl="2"/>
+            <a:r>
+              <a:rPr lang="en-US" dirty="0"/>
+              <a:t>Café and Coffee shop!!! </a:t>
+            </a:r>
+          </a:p>
+          <a:p>
+            <a:pPr lvl="3"/>
+            <a:r>
+              <a:rPr lang="en-US" dirty="0"/>
+              <a:t>Appeared </a:t>
+            </a:r>
+            <a:r>
+              <a:rPr lang="en-US" b="1" dirty="0"/>
+              <a:t>6 times (out of 19 neighborhood) in PHX </a:t>
+            </a:r>
+            <a:r>
+              <a:rPr lang="en-US" dirty="0"/>
+              <a:t>cluster I group for top 3 categories </a:t>
+            </a:r>
+          </a:p>
+          <a:p>
+            <a:pPr lvl="3"/>
+            <a:r>
+              <a:rPr lang="en-US" dirty="0"/>
+              <a:t>VS 0 time (out of 36 Neighborhood) in </a:t>
+            </a:r>
+            <a:r>
+              <a:rPr lang="en-US" b="1" dirty="0"/>
+              <a:t>SA---None!!!.</a:t>
+            </a:r>
+          </a:p>
+          <a:p>
+            <a:pPr lvl="4"/>
+            <a:r>
+              <a:rPr lang="en-US" dirty="0"/>
+              <a:t>Even for some very populated neighborhoods: such as 78223, 78207, 78228, 78250, 78245.</a:t>
+            </a:r>
+          </a:p>
+        </p:txBody>
+      </p:sp>
+    </p:spTree>
+    <p:extLst>
+      <p:ext uri="{BB962C8B-B14F-4D97-AF65-F5344CB8AC3E}">
+        <p14:creationId xmlns:p14="http://schemas.microsoft.com/office/powerpoint/2010/main" val="3058546129"/>
+      </p:ext>
+    </p:extLst>
+  </p:cSld>
+  <p:clrMapOvr>
+    <a:masterClrMapping/>
+  </p:clrMapOvr>
+</p:sld>
+</file>
+
+<file path=ppt/slides/slide9.xml><?xml version="1.0" encoding="utf-8"?>
+<p:sld xmlns:a="http://schemas.openxmlformats.org/drawingml/2006/main" xmlns:r="http://schemas.openxmlformats.org/officeDocument/2006/relationships" xmlns:p="http://schemas.openxmlformats.org/presentationml/2006/main">
+  <p:cSld>
+    <p:spTree>
+      <p:nvGrpSpPr>
+        <p:cNvPr id="1" name=""/>
+        <p:cNvGrpSpPr/>
+        <p:nvPr/>
+      </p:nvGrpSpPr>
+      <p:grpSpPr>
+        <a:xfrm>
+          <a:off x="0" y="0"/>
+          <a:ext cx="0" cy="0"/>
+          <a:chOff x="0" y="0"/>
+          <a:chExt cx="0" cy="0"/>
+        </a:xfrm>
+      </p:grpSpPr>
+      <p:sp>
+        <p:nvSpPr>
           <p:cNvPr id="2" name="标题 1">
             <a:extLst>
               <a:ext uri="{FF2B5EF4-FFF2-40B4-BE49-F238E27FC236}">
@@ -4310,6 +4889,13 @@
             <a:r>
               <a:rPr lang="en-US" dirty="0"/>
               <a:t>Open Coffee shops in San Antonio, TX—The fastest growing city in the US!</a:t>
+            </a:r>
+          </a:p>
+          <a:p>
+            <a:pPr lvl="1"/>
+            <a:r>
+              <a:rPr lang="en-US" dirty="0"/>
+              <a:t>Especially, for neighborhoods: 78223, 78207, 78228, 78250, 78245.</a:t>
             </a:r>
           </a:p>
           <a:p>
